--- a/docs/L5-transactions.pptx
+++ b/docs/L5-transactions.pptx
@@ -4750,7 +4750,7 @@
             </a:pPr>
             <a:fld id="{6613113C-C0BF-5449-93A5-7F3F64ADB5E5}" type="datetime1">
               <a:rPr lang="en-US" smtClean="0"/>
-              <a:t>2/19/17</a:t>
+              <a:t>2/20/18</a:t>
             </a:fld>
             <a:endParaRPr lang="en-US"/>
           </a:p>
@@ -7986,11 +7986,7 @@
             </a:r>
             <a:r>
               <a:rPr lang="en-US" b="0" dirty="0" smtClean="0"/>
-              <a:t>oncurrency control (2PL, </a:t>
-            </a:r>
-            <a:r>
-              <a:rPr lang="en-US" b="0" dirty="0" smtClean="0"/>
-              <a:t>OCC)</a:t>
+              <a:t>oncurrency control (2PL, OCC)</a:t>
             </a:r>
             <a:br>
               <a:rPr lang="en-US" b="0" dirty="0" smtClean="0"/>
@@ -8030,8 +8026,8 @@
           <a:lstStyle/>
           <a:p>
             <a:r>
-              <a:rPr lang="en-US" sz="3000" dirty="0" smtClean="0"/>
-              <a:t>COS 418: </a:t>
+              <a:rPr lang="en-US" sz="3000" smtClean="0"/>
+              <a:t>COS 518: </a:t>
             </a:r>
             <a:r>
               <a:rPr lang="en-US" sz="3000" i="1" dirty="0" smtClean="0"/>
@@ -10152,8 +10148,8 @@
               <a:buAutoNum type="arabicPeriod"/>
             </a:pPr>
             <a:r>
-              <a:rPr lang="en-US" sz="2800" dirty="0" smtClean="0"/>
-              <a:t>The </a:t>
+              <a:rPr lang="en-US" sz="2800" smtClean="0"/>
+              <a:t>They </a:t>
             </a:r>
             <a:r>
               <a:rPr lang="en-US" sz="2800" b="1" dirty="0" smtClean="0">
@@ -10529,11 +10525,7 @@
           <a:p>
             <a:r>
               <a:rPr lang="en-US" sz="2800" dirty="0" smtClean="0"/>
-              <a:t>A </a:t>
-            </a:r>
-            <a:r>
-              <a:rPr lang="en-US" sz="2800" dirty="0" smtClean="0"/>
-              <a:t>schedule is </a:t>
+              <a:t>A schedule is </a:t>
             </a:r>
             <a:r>
               <a:rPr lang="en-US" sz="2800" b="1" i="1" dirty="0" smtClean="0">
@@ -19577,15 +19569,7 @@
             <a:pPr eaLnBrk="1" hangingPunct="1"/>
             <a:r>
               <a:rPr lang="en-GB" altLang="en-US" sz="2800" dirty="0" smtClean="0"/>
-              <a:t>Transaction is about to commit.  </a:t>
-            </a:r>
-            <a:r>
-              <a:rPr lang="en-GB" altLang="en-US" sz="2800" dirty="0" smtClean="0"/>
-              <a:t>               System </a:t>
-            </a:r>
-            <a:r>
-              <a:rPr lang="en-GB" altLang="en-US" sz="2800" dirty="0" smtClean="0"/>
-              <a:t>must ensure:</a:t>
+              <a:t>Transaction is about to commit.                 System must ensure:</a:t>
             </a:r>
           </a:p>
           <a:p>
@@ -19639,11 +19623,7 @@
             </a:r>
             <a:r>
               <a:rPr lang="en-GB" altLang="en-US" sz="2600" dirty="0" smtClean="0"/>
-              <a:t> </a:t>
-            </a:r>
-            <a:r>
-              <a:rPr lang="en-GB" altLang="en-US" sz="2600" dirty="0" smtClean="0"/>
-              <a:t>invocations</a:t>
+              <a:t> invocations</a:t>
             </a:r>
             <a:endParaRPr lang="en-US" sz="2600" dirty="0" smtClean="0"/>
           </a:p>
@@ -19770,15 +19750,7 @@
             </a:pPr>
             <a:r>
               <a:rPr lang="en-US" sz="2600" dirty="0" smtClean="0"/>
-              <a:t>Validation needed by </a:t>
-            </a:r>
-            <a:r>
-              <a:rPr lang="en-US" sz="2600" dirty="0" smtClean="0"/>
-              <a:t>transaction </a:t>
-            </a:r>
-            <a:r>
-              <a:rPr lang="en-US" sz="2600" dirty="0" smtClean="0"/>
-              <a:t>T to commit: </a:t>
+              <a:t>Validation needed by transaction T to commit: </a:t>
             </a:r>
           </a:p>
           <a:p>
@@ -19792,11 +19764,7 @@
             </a:pPr>
             <a:r>
               <a:rPr lang="en-US" sz="2600" dirty="0" smtClean="0"/>
-              <a:t>For </a:t>
-            </a:r>
-            <a:r>
-              <a:rPr lang="en-US" sz="2600" dirty="0" smtClean="0"/>
-              <a:t>all other </a:t>
+              <a:t>For all other </a:t>
             </a:r>
             <a:r>
               <a:rPr lang="en-US" sz="2600" dirty="0" err="1" smtClean="0"/>
@@ -19804,15 +19772,7 @@
             </a:r>
             <a:r>
               <a:rPr lang="en-US" sz="2600" dirty="0" smtClean="0"/>
-              <a:t> </a:t>
-            </a:r>
-            <a:r>
-              <a:rPr lang="en-US" sz="2600" dirty="0" smtClean="0"/>
-              <a:t>O </a:t>
-            </a:r>
-            <a:r>
-              <a:rPr lang="en-US" sz="2600" dirty="0" smtClean="0"/>
-              <a:t>either </a:t>
+              <a:t> O either </a:t>
             </a:r>
             <a:r>
               <a:rPr lang="en-US" sz="2600" b="1" dirty="0"/>
@@ -19866,11 +19826,7 @@
             </a:r>
             <a:r>
               <a:rPr lang="en-US" sz="2600" dirty="0" smtClean="0"/>
-              <a:t>commit before </a:t>
-            </a:r>
-            <a:r>
-              <a:rPr lang="en-US" sz="2600" dirty="0" smtClean="0"/>
-              <a:t>T </a:t>
+              <a:t>commit before T </a:t>
             </a:r>
             <a:r>
               <a:rPr lang="en-US" sz="2600" dirty="0"/>
@@ -19901,11 +19857,7 @@
             </a:r>
             <a:r>
               <a:rPr lang="en-US" sz="2600" dirty="0" smtClean="0"/>
-              <a:t>commit after </a:t>
-            </a:r>
-            <a:r>
-              <a:rPr lang="en-US" sz="2600" dirty="0" smtClean="0"/>
-              <a:t>O </a:t>
+              <a:t>commit after O </a:t>
             </a:r>
             <a:r>
               <a:rPr lang="en-US" sz="2600" dirty="0"/>
@@ -19913,11 +19865,7 @@
             </a:r>
             <a:r>
               <a:rPr lang="en-US" sz="2600" dirty="0" smtClean="0"/>
-              <a:t>commit, </a:t>
-            </a:r>
-            <a:r>
-              <a:rPr lang="en-US" sz="2600" dirty="0" smtClean="0"/>
-              <a:t>        and </a:t>
+              <a:t>commit,         and </a:t>
             </a:r>
             <a:r>
               <a:rPr lang="en-US" sz="2600" dirty="0" err="1" smtClean="0"/>
@@ -19925,15 +19873,7 @@
             </a:r>
             <a:r>
               <a:rPr lang="en-US" sz="2600" dirty="0" smtClean="0"/>
-              <a:t> </a:t>
-            </a:r>
-            <a:r>
-              <a:rPr lang="en-US" sz="2600" dirty="0" smtClean="0"/>
-              <a:t>T </a:t>
-            </a:r>
-            <a:r>
-              <a:rPr lang="en-US" sz="2600" dirty="0" smtClean="0"/>
-              <a:t>and </a:t>
+              <a:t> T and </a:t>
             </a:r>
             <a:r>
               <a:rPr lang="en-US" sz="2600" dirty="0" err="1" smtClean="0"/>
@@ -19941,15 +19881,7 @@
             </a:r>
             <a:r>
               <a:rPr lang="en-US" sz="2600" dirty="0" smtClean="0"/>
-              <a:t> </a:t>
-            </a:r>
-            <a:r>
-              <a:rPr lang="en-US" sz="2600" dirty="0" smtClean="0"/>
-              <a:t>O </a:t>
-            </a:r>
-            <a:r>
-              <a:rPr lang="en-US" sz="2600" dirty="0" smtClean="0"/>
-              <a:t>are disjoint </a:t>
+              <a:t> O are disjoint </a:t>
             </a:r>
           </a:p>
           <a:p>
@@ -19967,15 +19899,7 @@
             </a:r>
             <a:r>
               <a:rPr lang="en-US" sz="2600" dirty="0" smtClean="0"/>
-              <a:t> </a:t>
-            </a:r>
-            <a:r>
-              <a:rPr lang="en-US" sz="2600" dirty="0" smtClean="0"/>
-              <a:t>T </a:t>
-            </a:r>
-            <a:r>
-              <a:rPr lang="en-US" sz="2600" dirty="0" smtClean="0"/>
-              <a:t>and </a:t>
+              <a:t> T and </a:t>
             </a:r>
             <a:r>
               <a:rPr lang="en-US" sz="2600" dirty="0" err="1" smtClean="0"/>
@@ -19983,15 +19907,7 @@
             </a:r>
             <a:r>
               <a:rPr lang="en-US" sz="2600" dirty="0" smtClean="0"/>
-              <a:t> </a:t>
-            </a:r>
-            <a:r>
-              <a:rPr lang="en-US" sz="2600" dirty="0" smtClean="0"/>
-              <a:t>T </a:t>
-            </a:r>
-            <a:r>
-              <a:rPr lang="en-US" sz="2600" dirty="0" smtClean="0"/>
-              <a:t>are disjoint from </a:t>
+              <a:t> T are disjoint from </a:t>
             </a:r>
             <a:r>
               <a:rPr lang="en-US" sz="2600" dirty="0" err="1" smtClean="0"/>
@@ -19999,15 +19915,7 @@
             </a:r>
             <a:r>
               <a:rPr lang="en-US" sz="2600" dirty="0" smtClean="0"/>
-              <a:t> </a:t>
-            </a:r>
-            <a:r>
-              <a:rPr lang="en-US" sz="2600" dirty="0" smtClean="0"/>
-              <a:t>O, and O </a:t>
-            </a:r>
-            <a:r>
-              <a:rPr lang="en-US" sz="2600" dirty="0" smtClean="0"/>
-              <a:t>completes modify phase. </a:t>
+              <a:t> O, and O completes modify phase. </a:t>
             </a:r>
           </a:p>
           <a:p>
@@ -20026,15 +19934,7 @@
             </a:r>
             <a:r>
               <a:rPr lang="en-US" sz="2600" dirty="0" smtClean="0"/>
-              <a:t>T, </a:t>
-            </a:r>
-            <a:r>
-              <a:rPr lang="en-US" sz="2600" dirty="0" smtClean="0"/>
-              <a:t>first check (A), then (B), then (C).                              If all fail, validation fails and </a:t>
-            </a:r>
-            <a:r>
-              <a:rPr lang="en-US" sz="2600" dirty="0" smtClean="0"/>
-              <a:t>T aborted</a:t>
+              <a:t>T, first check (A), then (B), then (C).                              If all fail, validation fails and T aborted</a:t>
             </a:r>
             <a:endParaRPr lang="en-US" sz="2600" dirty="0"/>
           </a:p>
@@ -20944,15 +20844,7 @@
             </a:pPr>
             <a:r>
               <a:rPr lang="en-US" dirty="0" smtClean="0"/>
-              <a:t>   </a:t>
-            </a:r>
-            <a:r>
-              <a:rPr lang="en-US" dirty="0" smtClean="0"/>
-              <a:t>   + </a:t>
-            </a:r>
-            <a:r>
-              <a:rPr lang="en-US" dirty="0" smtClean="0"/>
-              <a:t>Real-time guarantees</a:t>
+              <a:t>      + Real-time guarantees</a:t>
             </a:r>
           </a:p>
           <a:p>
